--- a/Day1/WEBDEVwithGaganDay1.pptx
+++ b/Day1/WEBDEVwithGaganDay1.pptx
@@ -66,14 +66,14 @@
       <p:boldItalic r:id="rId52"/>
     </p:embeddedFont>
     <p:embeddedFont>
-      <p:font typeface="Raleway SemiBold" charset="0"/>
+      <p:font typeface="Lato" charset="0"/>
       <p:regular r:id="rId53"/>
       <p:bold r:id="rId54"/>
       <p:italic r:id="rId55"/>
       <p:boldItalic r:id="rId56"/>
     </p:embeddedFont>
     <p:embeddedFont>
-      <p:font typeface="Lato" charset="0"/>
+      <p:font typeface="Raleway SemiBold" charset="0"/>
       <p:regular r:id="rId57"/>
       <p:bold r:id="rId58"/>
       <p:italic r:id="rId59"/>
@@ -316,7 +316,7 @@
   </p:defaultTextStyle>
   <p:extLst>
     <p:ext uri="{EFAFB233-063F-42B5-8137-9DF3F51BA10A}">
-      <p15:sldGuideLst xmlns:p15="http://schemas.microsoft.com/office/powerpoint/2012/main" xmlns:p14="http://schemas.microsoft.com/office/powerpoint/2010/main" xmlns:com="http://schemas.openxmlformats.org/drawingml/2006/compatibility" xmlns:pvml="urn:schemas-microsoft-com:office:powerpoint" xmlns:v="urn:schemas-microsoft-com:vml" xmlns:o="urn:schemas-microsoft-com:office:office" xmlns:dgm="http://schemas.openxmlformats.org/drawingml/2006/diagram" xmlns:c="http://schemas.openxmlformats.org/drawingml/2006/chart" xmlns:mv="urn:schemas-microsoft-com:mac:vml" xmlns:mc="http://schemas.openxmlformats.org/markup-compatibility/2006" xmlns="">
+      <p15:sldGuideLst xmlns="" xmlns:mc="http://schemas.openxmlformats.org/markup-compatibility/2006" xmlns:mv="urn:schemas-microsoft-com:mac:vml" xmlns:c="http://schemas.openxmlformats.org/drawingml/2006/chart" xmlns:dgm="http://schemas.openxmlformats.org/drawingml/2006/diagram" xmlns:o="urn:schemas-microsoft-com:office:office" xmlns:v="urn:schemas-microsoft-com:vml" xmlns:pvml="urn:schemas-microsoft-com:office:powerpoint" xmlns:com="http://schemas.openxmlformats.org/drawingml/2006/compatibility" xmlns:p14="http://schemas.microsoft.com/office/powerpoint/2010/main" xmlns:p15="http://schemas.microsoft.com/office/powerpoint/2012/main">
         <p15:guide id="1" orient="horz" pos="1620">
           <p15:clr>
             <a:srgbClr val="A4A3A4"/>
@@ -10269,15 +10269,6 @@
               </a:rPr>
               <a:t>&lt;HR&gt;</a:t>
             </a:r>
-            <a:endParaRPr lang="en-US" sz="1800" dirty="0" smtClean="0">
-              <a:solidFill>
-                <a:srgbClr val="FFFFFF"/>
-              </a:solidFill>
-              <a:latin typeface="Raleway SemiBold"/>
-              <a:ea typeface="Raleway SemiBold"/>
-              <a:cs typeface="Raleway SemiBold"/>
-              <a:sym typeface="Raleway SemiBold"/>
-            </a:endParaRPr>
           </a:p>
           <a:p>
             <a:pPr marL="0" lvl="0" indent="0" algn="l" rtl="0">
@@ -11492,15 +11483,6 @@
               </a:rPr>
               <a:t>Superscript</a:t>
             </a:r>
-            <a:endParaRPr lang="en-US" sz="2800" b="1" dirty="0" smtClean="0">
-              <a:solidFill>
-                <a:srgbClr val="FFFFFF"/>
-              </a:solidFill>
-              <a:latin typeface="Raleway SemiBold"/>
-              <a:ea typeface="Raleway SemiBold"/>
-              <a:cs typeface="Raleway SemiBold"/>
-              <a:sym typeface="Raleway SemiBold"/>
-            </a:endParaRPr>
           </a:p>
           <a:p>
             <a:pPr marL="457200" lvl="0" indent="-457200" rtl="0">
@@ -12218,15 +12200,6 @@
               </a:rPr>
               <a:t>Superscript</a:t>
             </a:r>
-            <a:endParaRPr lang="en-US" sz="2800" b="1" dirty="0" smtClean="0">
-              <a:solidFill>
-                <a:srgbClr val="FFFFFF"/>
-              </a:solidFill>
-              <a:latin typeface="Raleway SemiBold"/>
-              <a:ea typeface="Raleway SemiBold"/>
-              <a:cs typeface="Raleway SemiBold"/>
-              <a:sym typeface="Raleway SemiBold"/>
-            </a:endParaRPr>
           </a:p>
           <a:p>
             <a:pPr marL="457200" lvl="0" indent="-457200" rtl="0">
@@ -14340,23 +14313,7 @@
                   <a:schemeClr val="tx1"/>
                 </a:solidFill>
               </a:rPr>
-              <a:t>The </a:t>
-            </a:r>
-            <a:r>
-              <a:rPr lang="en-US" sz="2800" dirty="0">
-                <a:solidFill>
-                  <a:schemeClr val="tx1"/>
-                </a:solidFill>
-              </a:rPr>
-              <a:t>id</a:t>
-            </a:r>
-            <a:r>
-              <a:rPr lang="en-US" sz="2800" dirty="0">
-                <a:solidFill>
-                  <a:schemeClr val="tx1"/>
-                </a:solidFill>
-              </a:rPr>
-              <a:t> attribute specifies a unique id for an HTML element</a:t>
+              <a:t>The id attribute specifies a unique id for an HTML element</a:t>
             </a:r>
             <a:endParaRPr sz="2800" b="1" dirty="0">
               <a:solidFill>
@@ -17445,19 +17402,7 @@
                 <a:cs typeface="Raleway SemiBold"/>
                 <a:sym typeface="Raleway SemiBold"/>
               </a:rPr>
-              <a:t>Creates a list of hypertext</a:t>
-            </a:r>
-            <a:r>
-              <a:rPr lang="en-US" sz="2800" b="1" dirty="0" smtClean="0">
-                <a:solidFill>
-                  <a:schemeClr val="tx1"/>
-                </a:solidFill>
-                <a:latin typeface="Raleway SemiBold"/>
-                <a:ea typeface="Raleway SemiBold"/>
-                <a:cs typeface="Raleway SemiBold"/>
-                <a:sym typeface="Raleway SemiBold"/>
-              </a:rPr>
-              <a:t>, there are 3 types of lists</a:t>
+              <a:t>Creates a list of hypertext, there are 3 types of lists</a:t>
             </a:r>
           </a:p>
           <a:p>
@@ -19724,14 +19669,6 @@
               </a:rPr>
               <a:t>&lt;table&gt;</a:t>
             </a:r>
-            <a:r>
-              <a:rPr lang="en-US" sz="2400" dirty="0">
-                <a:solidFill>
-                  <a:srgbClr val="92D050"/>
-                </a:solidFill>
-              </a:rPr>
-              <a:t/>
-            </a:r>
             <a:br>
               <a:rPr lang="en-US" sz="2400" dirty="0">
                 <a:solidFill>
@@ -19818,14 +19755,6 @@
               </a:rPr>
               <a:t>&gt;</a:t>
             </a:r>
-            <a:r>
-              <a:rPr lang="en-US" sz="2400" dirty="0">
-                <a:solidFill>
-                  <a:srgbClr val="92D050"/>
-                </a:solidFill>
-              </a:rPr>
-              <a:t/>
-            </a:r>
             <a:br>
               <a:rPr lang="en-US" sz="2400" dirty="0">
                 <a:solidFill>
@@ -19873,14 +19802,6 @@
               </a:rPr>
               <a:t>&gt;</a:t>
             </a:r>
-            <a:r>
-              <a:rPr lang="en-US" sz="2400" dirty="0">
-                <a:solidFill>
-                  <a:srgbClr val="92D050"/>
-                </a:solidFill>
-              </a:rPr>
-              <a:t/>
-            </a:r>
             <a:br>
               <a:rPr lang="en-US" sz="2400" dirty="0">
                 <a:solidFill>
@@ -19951,14 +19872,6 @@
               </a:rPr>
               <a:t>&gt;</a:t>
             </a:r>
-            <a:r>
-              <a:rPr lang="en-US" sz="2400" dirty="0">
-                <a:solidFill>
-                  <a:srgbClr val="92D050"/>
-                </a:solidFill>
-              </a:rPr>
-              <a:t/>
-            </a:r>
             <a:br>
               <a:rPr lang="en-US" sz="2400" dirty="0">
                 <a:solidFill>
@@ -19990,14 +19903,6 @@
               </a:rPr>
               <a:t>td&gt;</a:t>
             </a:r>
-            <a:r>
-              <a:rPr lang="en-US" sz="2400" dirty="0">
-                <a:solidFill>
-                  <a:srgbClr val="92D050"/>
-                </a:solidFill>
-              </a:rPr>
-              <a:t/>
-            </a:r>
             <a:br>
               <a:rPr lang="en-US" sz="2400" dirty="0">
                 <a:solidFill>
@@ -20029,14 +19934,6 @@
               </a:rPr>
               <a:t>&lt;/td&gt;</a:t>
             </a:r>
-            <a:r>
-              <a:rPr lang="en-US" sz="2400" dirty="0">
-                <a:solidFill>
-                  <a:srgbClr val="92D050"/>
-                </a:solidFill>
-              </a:rPr>
-              <a:t/>
-            </a:r>
             <a:br>
               <a:rPr lang="en-US" sz="2400" dirty="0">
                 <a:solidFill>
@@ -20067,14 +19964,6 @@
                 </a:solidFill>
               </a:rPr>
               <a:t>&gt;</a:t>
-            </a:r>
-            <a:r>
-              <a:rPr lang="en-US" sz="2400" dirty="0">
-                <a:solidFill>
-                  <a:srgbClr val="92D050"/>
-                </a:solidFill>
-              </a:rPr>
-              <a:t/>
             </a:r>
             <a:br>
               <a:rPr lang="en-US" sz="2400" dirty="0">
@@ -21113,14 +21002,6 @@
               </a:rPr>
               <a:t>label&gt;</a:t>
             </a:r>
-            <a:r>
-              <a:rPr lang="en-US" sz="2000" dirty="0">
-                <a:solidFill>
-                  <a:srgbClr val="92D050"/>
-                </a:solidFill>
-              </a:rPr>
-              <a:t/>
-            </a:r>
             <a:br>
               <a:rPr lang="en-US" sz="2000" dirty="0">
                 <a:solidFill>
@@ -21192,14 +21073,6 @@
               </a:rPr>
               <a:t>&gt;</a:t>
             </a:r>
-            <a:r>
-              <a:rPr lang="en-US" sz="2000" dirty="0">
-                <a:solidFill>
-                  <a:srgbClr val="92D050"/>
-                </a:solidFill>
-              </a:rPr>
-              <a:t/>
-            </a:r>
             <a:br>
               <a:rPr lang="en-US" sz="2000" dirty="0">
                 <a:solidFill>
@@ -21231,14 +21104,6 @@
               </a:rPr>
               <a:t>:&lt;/label&gt;</a:t>
             </a:r>
-            <a:r>
-              <a:rPr lang="en-US" sz="2000" dirty="0">
-                <a:solidFill>
-                  <a:srgbClr val="92D050"/>
-                </a:solidFill>
-              </a:rPr>
-              <a:t/>
-            </a:r>
             <a:br>
               <a:rPr lang="en-US" sz="2000" dirty="0">
                 <a:solidFill>
@@ -21318,14 +21183,6 @@
               </a:rPr>
               <a:t>&gt;</a:t>
             </a:r>
-            <a:r>
-              <a:rPr lang="en-US" sz="2000" dirty="0">
-                <a:solidFill>
-                  <a:srgbClr val="92D050"/>
-                </a:solidFill>
-              </a:rPr>
-              <a:t/>
-            </a:r>
             <a:br>
               <a:rPr lang="en-US" sz="2000" dirty="0">
                 <a:solidFill>
@@ -21340,14 +21197,6 @@
                 </a:solidFill>
               </a:rPr>
               <a:t>  &lt;input type="submit" value="Submit"&gt;</a:t>
-            </a:r>
-            <a:r>
-              <a:rPr lang="en-US" sz="2000" dirty="0">
-                <a:solidFill>
-                  <a:srgbClr val="92D050"/>
-                </a:solidFill>
-              </a:rPr>
-              <a:t/>
             </a:r>
             <a:br>
               <a:rPr lang="en-US" sz="2000" dirty="0">
@@ -23333,14 +23182,6 @@
               </a:rPr>
               <a:t>="video/mp4"&gt;</a:t>
             </a:r>
-            <a:r>
-              <a:rPr lang="en-US" sz="2000" dirty="0">
-                <a:solidFill>
-                  <a:srgbClr val="92D050"/>
-                </a:solidFill>
-              </a:rPr>
-              <a:t/>
-            </a:r>
             <a:br>
               <a:rPr lang="en-US" sz="2000" dirty="0">
                 <a:solidFill>
@@ -23398,14 +23239,6 @@
               </a:rPr>
               <a:t>"&gt;</a:t>
             </a:r>
-            <a:r>
-              <a:rPr lang="en-US" sz="2000" dirty="0">
-                <a:solidFill>
-                  <a:srgbClr val="92D050"/>
-                </a:solidFill>
-              </a:rPr>
-              <a:t/>
-            </a:r>
             <a:br>
               <a:rPr lang="en-US" sz="2000" dirty="0">
                 <a:solidFill>
@@ -23420,14 +23253,6 @@
                 </a:solidFill>
               </a:rPr>
               <a:t>  Your browser does not support the video tag.</a:t>
-            </a:r>
-            <a:r>
-              <a:rPr lang="en-US" sz="2000" dirty="0">
-                <a:solidFill>
-                  <a:srgbClr val="92D050"/>
-                </a:solidFill>
-              </a:rPr>
-              <a:t/>
             </a:r>
             <a:br>
               <a:rPr lang="en-US" sz="2000" dirty="0">
@@ -25225,6 +25050,154 @@
           <a:chExt cx="0" cy="0"/>
         </a:xfrm>
       </p:grpSpPr>
+      <p:pic>
+        <p:nvPicPr>
+          <p:cNvPr id="1026" name="Picture 2" descr="C:\Users\welcome\Downloads\IMG_20200427_014308_857.jpg"/>
+          <p:cNvPicPr>
+            <a:picLocks noChangeAspect="1" noChangeArrowheads="1"/>
+          </p:cNvPicPr>
+          <p:nvPr/>
+        </p:nvPicPr>
+        <p:blipFill>
+          <a:blip r:embed="rId3">
+            <a:extLst>
+              <a:ext uri="{28A0092B-C50C-407E-A947-70E740481C1C}">
+                <a14:useLocalDpi xmlns:a14="http://schemas.microsoft.com/office/drawing/2010/main" val="0"/>
+              </a:ext>
+            </a:extLst>
+          </a:blip>
+          <a:srcRect/>
+          <a:stretch>
+            <a:fillRect/>
+          </a:stretch>
+        </p:blipFill>
+        <p:spPr bwMode="auto">
+          <a:xfrm>
+            <a:off x="-14061" y="0"/>
+            <a:ext cx="9144000" cy="5143500"/>
+          </a:xfrm>
+          <a:prstGeom prst="rect">
+            <a:avLst/>
+          </a:prstGeom>
+          <a:noFill/>
+          <a:extLst>
+            <a:ext uri="{909E8E84-426E-40DD-AFC4-6F175D3DCCD1}">
+              <a14:hiddenFill xmlns:a14="http://schemas.microsoft.com/office/drawing/2010/main">
+                <a:solidFill>
+                  <a:srgbClr val="FFFFFF"/>
+                </a:solidFill>
+              </a14:hiddenFill>
+            </a:ext>
+          </a:extLst>
+        </p:spPr>
+      </p:pic>
+      <p:sp>
+        <p:nvSpPr>
+          <p:cNvPr id="2" name="Rectangle 1"/>
+          <p:cNvSpPr/>
+          <p:nvPr/>
+        </p:nvSpPr>
+        <p:spPr>
+          <a:xfrm>
+            <a:off x="2180494" y="608415"/>
+            <a:ext cx="4779702" cy="923330"/>
+          </a:xfrm>
+          <a:prstGeom prst="rect">
+            <a:avLst/>
+          </a:prstGeom>
+          <a:solidFill>
+            <a:schemeClr val="tx1"/>
+          </a:solidFill>
+          <a:ln>
+            <a:solidFill>
+              <a:schemeClr val="tx1"/>
+            </a:solidFill>
+          </a:ln>
+        </p:spPr>
+        <p:txBody>
+          <a:bodyPr wrap="square" lIns="91440" tIns="45720" rIns="91440" bIns="45720">
+            <a:spAutoFit/>
+          </a:bodyPr>
+          <a:lstStyle/>
+          <a:p>
+            <a:pPr algn="ctr"/>
+            <a:r>
+              <a:rPr lang="en-US" sz="5400" b="0" cap="none" spc="0" dirty="0" smtClean="0">
+                <a:ln w="18415" cmpd="sng">
+                  <a:solidFill>
+                    <a:srgbClr val="00B050"/>
+                  </a:solidFill>
+                  <a:prstDash val="solid"/>
+                </a:ln>
+                <a:solidFill>
+                  <a:srgbClr val="00B050"/>
+                </a:solidFill>
+              </a:rPr>
+              <a:t>Class end</a:t>
+            </a:r>
+          </a:p>
+        </p:txBody>
+      </p:sp>
+      <p:sp>
+        <p:nvSpPr>
+          <p:cNvPr id="3" name="Rectangle 2"/>
+          <p:cNvSpPr/>
+          <p:nvPr/>
+        </p:nvSpPr>
+        <p:spPr>
+          <a:xfrm>
+            <a:off x="-32616" y="3036561"/>
+            <a:ext cx="2872635" cy="1631216"/>
+          </a:xfrm>
+          <a:prstGeom prst="rect">
+            <a:avLst/>
+          </a:prstGeom>
+        </p:spPr>
+        <p:style>
+          <a:lnRef idx="3">
+            <a:schemeClr val="lt1"/>
+          </a:lnRef>
+          <a:fillRef idx="1">
+            <a:schemeClr val="accent2"/>
+          </a:fillRef>
+          <a:effectRef idx="1">
+            <a:schemeClr val="accent2"/>
+          </a:effectRef>
+          <a:fontRef idx="minor">
+            <a:schemeClr val="lt1"/>
+          </a:fontRef>
+        </p:style>
+        <p:txBody>
+          <a:bodyPr wrap="square" lIns="91440" tIns="45720" rIns="91440" bIns="45720">
+            <a:spAutoFit/>
+          </a:bodyPr>
+          <a:lstStyle/>
+          <a:p>
+            <a:pPr algn="ctr"/>
+            <a:r>
+              <a:rPr lang="en-US" sz="2000" b="0" cap="none" spc="0" dirty="0" smtClean="0">
+                <a:ln w="18415" cmpd="sng">
+                  <a:solidFill>
+                    <a:srgbClr val="FFFFFF"/>
+                  </a:solidFill>
+                  <a:prstDash val="solid"/>
+                </a:ln>
+                <a:solidFill>
+                  <a:srgbClr val="FFFFFF"/>
+                </a:solidFill>
+                <a:effectLst>
+                  <a:outerShdw blurRad="63500" dir="3600000" algn="tl" rotWithShape="0">
+                    <a:srgbClr val="000000">
+                      <a:alpha val="70000"/>
+                    </a:srgbClr>
+                  </a:outerShdw>
+                </a:effectLst>
+              </a:rPr>
+              <a:t>Practice everything you learned today, share your doubts and projects on the slack channel.</a:t>
+            </a:r>
+          </a:p>
+        </p:txBody>
+      </p:sp>
     </p:spTree>
     <p:extLst>
       <p:ext uri="{BB962C8B-B14F-4D97-AF65-F5344CB8AC3E}">
@@ -25813,9 +25786,9 @@
               <a:buNone/>
             </a:pPr>
             <a:r>
-              <a:rPr lang="en" sz="3000" b="1">
-                <a:solidFill>
-                  <a:schemeClr val="lt2"/>
+              <a:rPr lang="en" sz="3000" b="1" dirty="0">
+                <a:solidFill>
+                  <a:schemeClr val="accent2"/>
                 </a:solidFill>
                 <a:latin typeface="Raleway"/>
                 <a:ea typeface="Raleway"/>
@@ -25826,7 +25799,7 @@
             </a:r>
             <a:endParaRPr sz="3000" b="1" dirty="0">
               <a:solidFill>
-                <a:schemeClr val="lt2"/>
+                <a:schemeClr val="accent2"/>
               </a:solidFill>
               <a:latin typeface="Raleway"/>
               <a:ea typeface="Raleway"/>
@@ -25848,7 +25821,7 @@
         </p:nvSpPr>
         <p:spPr>
           <a:xfrm>
-            <a:off x="0" y="2027238"/>
+            <a:off x="2815961" y="1985674"/>
             <a:ext cx="3432175" cy="3327400"/>
           </a:xfrm>
           <a:prstGeom prst="rect">
@@ -25871,7 +25844,7 @@
               <a:buNone/>
             </a:pPr>
             <a:r>
-              <a:rPr lang="en" sz="1200" b="1">
+              <a:rPr lang="en" sz="1200" b="1" dirty="0">
                 <a:latin typeface="Raleway"/>
                 <a:ea typeface="Raleway"/>
                 <a:cs typeface="Raleway"/>
@@ -25905,9 +25878,9 @@
               <a:buChar char="➔"/>
             </a:pPr>
             <a:r>
-              <a:rPr lang="en" sz="1400" b="1">
-                <a:solidFill>
-                  <a:schemeClr val="dk1"/>
+              <a:rPr lang="en" sz="1400" b="1" dirty="0">
+                <a:solidFill>
+                  <a:schemeClr val="accent2"/>
                 </a:solidFill>
                 <a:latin typeface="Raleway"/>
                 <a:ea typeface="Raleway"/>
@@ -25917,7 +25890,7 @@
               <a:t>HTML</a:t>
             </a:r>
             <a:r>
-              <a:rPr lang="en" sz="1400">
+              <a:rPr lang="en" sz="1400" dirty="0">
                 <a:latin typeface="Raleway"/>
                 <a:ea typeface="Raleway"/>
                 <a:cs typeface="Raleway"/>
@@ -25926,7 +25899,7 @@
               <a:t/>
             </a:r>
             <a:br>
-              <a:rPr lang="en" sz="1400">
+              <a:rPr lang="en" sz="1400" dirty="0">
                 <a:latin typeface="Raleway"/>
                 <a:ea typeface="Raleway"/>
                 <a:cs typeface="Raleway"/>
@@ -25934,7 +25907,7 @@
               </a:rPr>
             </a:br>
             <a:r>
-              <a:rPr lang="en" sz="1200">
+              <a:rPr lang="en" sz="1200" dirty="0">
                 <a:latin typeface="Raleway"/>
                 <a:ea typeface="Raleway"/>
                 <a:cs typeface="Raleway"/>
@@ -25965,9 +25938,9 @@
               <a:buChar char="➔"/>
             </a:pPr>
             <a:r>
-              <a:rPr lang="en" sz="1400" b="1">
-                <a:solidFill>
-                  <a:schemeClr val="dk1"/>
+              <a:rPr lang="en" sz="1400" b="1" dirty="0">
+                <a:solidFill>
+                  <a:schemeClr val="accent2"/>
                 </a:solidFill>
                 <a:latin typeface="Raleway"/>
                 <a:ea typeface="Raleway"/>
@@ -25977,7 +25950,7 @@
               <a:t>CSS</a:t>
             </a:r>
             <a:r>
-              <a:rPr lang="en" sz="1400">
+              <a:rPr lang="en" sz="1400" dirty="0">
                 <a:latin typeface="Raleway"/>
                 <a:ea typeface="Raleway"/>
                 <a:cs typeface="Raleway"/>
@@ -25986,7 +25959,7 @@
               <a:t/>
             </a:r>
             <a:br>
-              <a:rPr lang="en" sz="1400">
+              <a:rPr lang="en" sz="1400" dirty="0">
                 <a:latin typeface="Raleway"/>
                 <a:ea typeface="Raleway"/>
                 <a:cs typeface="Raleway"/>
@@ -25994,7 +25967,7 @@
               </a:rPr>
             </a:br>
             <a:r>
-              <a:rPr lang="en" sz="1400">
+              <a:rPr lang="en" sz="1400" dirty="0">
                 <a:latin typeface="Raleway"/>
                 <a:ea typeface="Raleway"/>
                 <a:cs typeface="Raleway"/>
@@ -26025,9 +25998,9 @@
               <a:buChar char="➔"/>
             </a:pPr>
             <a:r>
-              <a:rPr lang="en" sz="1400" b="1">
-                <a:solidFill>
-                  <a:schemeClr val="dk1"/>
+              <a:rPr lang="en" sz="1400" b="1" dirty="0">
+                <a:solidFill>
+                  <a:schemeClr val="accent2"/>
                 </a:solidFill>
                 <a:latin typeface="Raleway"/>
                 <a:ea typeface="Raleway"/>
@@ -26037,7 +26010,7 @@
               <a:t>Javascript</a:t>
             </a:r>
             <a:r>
-              <a:rPr lang="en" sz="1400">
+              <a:rPr lang="en" sz="1400" dirty="0">
                 <a:latin typeface="Raleway"/>
                 <a:ea typeface="Raleway"/>
                 <a:cs typeface="Raleway"/>
@@ -26046,7 +26019,7 @@
               <a:t/>
             </a:r>
             <a:br>
-              <a:rPr lang="en" sz="1400">
+              <a:rPr lang="en" sz="1400" dirty="0">
                 <a:latin typeface="Raleway"/>
                 <a:ea typeface="Raleway"/>
                 <a:cs typeface="Raleway"/>
@@ -26054,7 +26027,7 @@
               </a:rPr>
             </a:br>
             <a:r>
-              <a:rPr lang="en" sz="1200">
+              <a:rPr lang="en" sz="1200" dirty="0">
                 <a:latin typeface="Raleway"/>
                 <a:ea typeface="Raleway"/>
                 <a:cs typeface="Raleway"/>
